--- a/名刺.pptx
+++ b/名刺.pptx
@@ -208,7 +208,7 @@
           <a:p>
             <a:fld id="{2D4E9B90-0AB3-4F8D-9CF2-3BAA3F48C2A6}" type="datetimeFigureOut">
               <a:rPr kumimoji="1" lang="ja-JP" altLang="en-US" smtClean="0"/>
-              <a:t>2023/2/25</a:t>
+              <a:t>2023/4/3</a:t>
             </a:fld>
             <a:endParaRPr kumimoji="1" lang="ja-JP" altLang="en-US"/>
           </a:p>
@@ -675,7 +675,7 @@
           <a:p>
             <a:fld id="{85568765-6D91-433D-86C1-5364BD980438}" type="datetimeFigureOut">
               <a:rPr kumimoji="1" lang="ja-JP" altLang="en-US" smtClean="0"/>
-              <a:t>2023/2/25</a:t>
+              <a:t>2023/4/3</a:t>
             </a:fld>
             <a:endParaRPr kumimoji="1" lang="ja-JP" altLang="en-US"/>
           </a:p>
@@ -802,7 +802,7 @@
           <a:p>
             <a:fld id="{85568765-6D91-433D-86C1-5364BD980438}" type="datetimeFigureOut">
               <a:rPr kumimoji="1" lang="ja-JP" altLang="en-US" smtClean="0"/>
-              <a:t>2023/2/25</a:t>
+              <a:t>2023/4/3</a:t>
             </a:fld>
             <a:endParaRPr kumimoji="1" lang="ja-JP" altLang="en-US"/>
           </a:p>
@@ -1159,7 +1159,7 @@
           <a:p>
             <a:fld id="{85568765-6D91-433D-86C1-5364BD980438}" type="datetimeFigureOut">
               <a:rPr kumimoji="1" lang="ja-JP" altLang="en-US" smtClean="0"/>
-              <a:t>2023/2/25</a:t>
+              <a:t>2023/4/3</a:t>
             </a:fld>
             <a:endParaRPr kumimoji="1" lang="ja-JP" altLang="en-US"/>
           </a:p>
@@ -1474,7 +1474,7 @@
           <a:p>
             <a:fld id="{85568765-6D91-433D-86C1-5364BD980438}" type="datetimeFigureOut">
               <a:rPr kumimoji="1" lang="ja-JP" altLang="en-US" smtClean="0"/>
-              <a:t>2023/2/25</a:t>
+              <a:t>2023/4/3</a:t>
             </a:fld>
             <a:endParaRPr kumimoji="1" lang="ja-JP" altLang="en-US"/>
           </a:p>
@@ -1728,7 +1728,7 @@
           <a:p>
             <a:fld id="{85568765-6D91-433D-86C1-5364BD980438}" type="datetimeFigureOut">
               <a:rPr kumimoji="1" lang="ja-JP" altLang="en-US" smtClean="0"/>
-              <a:t>2023/2/25</a:t>
+              <a:t>2023/4/3</a:t>
             </a:fld>
             <a:endParaRPr kumimoji="1" lang="ja-JP" altLang="en-US"/>
           </a:p>
@@ -1993,7 +1993,7 @@
           <a:p>
             <a:fld id="{85568765-6D91-433D-86C1-5364BD980438}" type="datetimeFigureOut">
               <a:rPr kumimoji="1" lang="ja-JP" altLang="en-US" smtClean="0"/>
-              <a:t>2023/2/25</a:t>
+              <a:t>2023/4/3</a:t>
             </a:fld>
             <a:endParaRPr kumimoji="1" lang="ja-JP" altLang="en-US"/>
           </a:p>
@@ -2234,7 +2234,7 @@
           <a:p>
             <a:fld id="{85568765-6D91-433D-86C1-5364BD980438}" type="datetimeFigureOut">
               <a:rPr kumimoji="1" lang="ja-JP" altLang="en-US" smtClean="0"/>
-              <a:t>2023/2/25</a:t>
+              <a:t>2023/4/3</a:t>
             </a:fld>
             <a:endParaRPr kumimoji="1" lang="ja-JP" altLang="en-US"/>
           </a:p>
@@ -2547,7 +2547,7 @@
           <a:p>
             <a:fld id="{85568765-6D91-433D-86C1-5364BD980438}" type="datetimeFigureOut">
               <a:rPr kumimoji="1" lang="ja-JP" altLang="en-US" smtClean="0"/>
-              <a:t>2023/2/25</a:t>
+              <a:t>2023/4/3</a:t>
             </a:fld>
             <a:endParaRPr kumimoji="1" lang="ja-JP" altLang="en-US"/>
           </a:p>
@@ -2851,7 +2851,7 @@
           <a:p>
             <a:fld id="{85568765-6D91-433D-86C1-5364BD980438}" type="datetimeFigureOut">
               <a:rPr kumimoji="1" lang="ja-JP" altLang="en-US" smtClean="0"/>
-              <a:t>2023/2/25</a:t>
+              <a:t>2023/4/3</a:t>
             </a:fld>
             <a:endParaRPr kumimoji="1" lang="ja-JP" altLang="en-US"/>
           </a:p>
@@ -3192,7 +3192,7 @@
           <a:p>
             <a:fld id="{85568765-6D91-433D-86C1-5364BD980438}" type="datetimeFigureOut">
               <a:rPr kumimoji="1" lang="ja-JP" altLang="en-US" smtClean="0"/>
-              <a:t>2023/2/25</a:t>
+              <a:t>2023/4/3</a:t>
             </a:fld>
             <a:endParaRPr kumimoji="1" lang="ja-JP" altLang="en-US"/>
           </a:p>
@@ -3640,7 +3640,7 @@
           <a:p>
             <a:fld id="{85568765-6D91-433D-86C1-5364BD980438}" type="datetimeFigureOut">
               <a:rPr kumimoji="1" lang="ja-JP" altLang="en-US" smtClean="0"/>
-              <a:t>2023/2/25</a:t>
+              <a:t>2023/4/3</a:t>
             </a:fld>
             <a:endParaRPr kumimoji="1" lang="ja-JP" altLang="en-US"/>
           </a:p>
@@ -4160,7 +4160,7 @@
           <a:p>
             <a:fld id="{85568765-6D91-433D-86C1-5364BD980438}" type="datetimeFigureOut">
               <a:rPr kumimoji="1" lang="ja-JP" altLang="en-US" smtClean="0"/>
-              <a:t>2023/2/25</a:t>
+              <a:t>2023/4/3</a:t>
             </a:fld>
             <a:endParaRPr kumimoji="1" lang="ja-JP" altLang="en-US"/>
           </a:p>
@@ -4629,7 +4629,7 @@
           <a:p>
             <a:fld id="{85568765-6D91-433D-86C1-5364BD980438}" type="datetimeFigureOut">
               <a:rPr kumimoji="1" lang="ja-JP" altLang="en-US" smtClean="0"/>
-              <a:t>2023/2/25</a:t>
+              <a:t>2023/4/3</a:t>
             </a:fld>
             <a:endParaRPr kumimoji="1" lang="ja-JP" altLang="en-US"/>
           </a:p>
@@ -4780,7 +4780,7 @@
           <a:p>
             <a:fld id="{85568765-6D91-433D-86C1-5364BD980438}" type="datetimeFigureOut">
               <a:rPr kumimoji="1" lang="ja-JP" altLang="en-US" smtClean="0"/>
-              <a:t>2023/2/25</a:t>
+              <a:t>2023/4/3</a:t>
             </a:fld>
             <a:endParaRPr kumimoji="1" lang="ja-JP" altLang="en-US"/>
           </a:p>
@@ -5073,7 +5073,7 @@
             <a:fld id="{85568765-6D91-433D-86C1-5364BD980438}" type="datetimeFigureOut">
               <a:rPr lang="ja-JP" altLang="en-US" smtClean="0"/>
               <a:pPr/>
-              <a:t>2023/2/25</a:t>
+              <a:t>2023/4/3</a:t>
             </a:fld>
             <a:endParaRPr lang="ja-JP" altLang="en-US"/>
           </a:p>
@@ -5543,18 +5543,18 @@
         </p:nvSpPr>
         <p:spPr>
           <a:xfrm>
-            <a:off x="839416" y="3284984"/>
-            <a:ext cx="9793088" cy="1440160"/>
+            <a:off x="839416" y="2564904"/>
+            <a:ext cx="9793088" cy="1728192"/>
           </a:xfrm>
         </p:spPr>
         <p:txBody>
           <a:bodyPr>
-            <a:normAutofit/>
+            <a:noAutofit/>
           </a:bodyPr>
           <a:lstStyle/>
           <a:p>
             <a:r>
-              <a:rPr kumimoji="1" lang="ja-JP" altLang="en-US" sz="8000" dirty="0"/>
+              <a:rPr kumimoji="1" lang="ja-JP" altLang="en-US" sz="9600" dirty="0"/>
               <a:t>野戸　彰大</a:t>
             </a:r>
           </a:p>
@@ -5583,46 +5583,15 @@
           </a:xfrm>
         </p:spPr>
         <p:txBody>
-          <a:bodyPr/>
+          <a:bodyPr>
+            <a:normAutofit/>
+          </a:bodyPr>
           <a:lstStyle/>
           <a:p>
             <a:r>
               <a:rPr lang="ja-JP" altLang="en-US" dirty="0"/>
-              <a:t>〒</a:t>
-            </a:r>
-            <a:r>
-              <a:rPr lang="en-US" altLang="ja-JP" dirty="0"/>
-              <a:t>640-8451</a:t>
-            </a:r>
-            <a:r>
-              <a:rPr lang="ja-JP" altLang="en-US" dirty="0"/>
-              <a:t>　和歌山県和歌山市中</a:t>
-            </a:r>
-            <a:r>
-              <a:rPr lang="en-US" altLang="ja-JP" dirty="0"/>
-              <a:t>398-1</a:t>
-            </a:r>
-            <a:r>
-              <a:rPr lang="ja-JP" altLang="en-US" dirty="0"/>
-              <a:t>ル・マン</a:t>
-            </a:r>
-            <a:r>
-              <a:rPr lang="en-US" altLang="ja-JP" dirty="0"/>
-              <a:t>A4</a:t>
-            </a:r>
-            <a:r>
-              <a:rPr lang="ja-JP" altLang="en-US" dirty="0"/>
-              <a:t>番館</a:t>
-            </a:r>
-            <a:r>
-              <a:rPr lang="en-US" altLang="ja-JP" dirty="0"/>
-              <a:t>101</a:t>
-            </a:r>
-            <a:r>
-              <a:rPr lang="ja-JP" altLang="en-US" dirty="0"/>
-              <a:t>号室</a:t>
-            </a:r>
-            <a:endParaRPr lang="en-US" altLang="ja-JP" dirty="0"/>
+              <a:t>システム工学研究科　視覚メディア研究室</a:t>
+            </a:r>
           </a:p>
           <a:p>
             <a:r>
@@ -5644,244 +5613,20 @@
       </p:sp>
       <p:sp>
         <p:nvSpPr>
-          <p:cNvPr id="4" name="字幕 2">
-            <a:extLst>
-              <a:ext uri="{FF2B5EF4-FFF2-40B4-BE49-F238E27FC236}">
-                <a16:creationId xmlns:a16="http://schemas.microsoft.com/office/drawing/2014/main" id="{A8F6B858-6009-262A-75D7-2FF0333BA662}"/>
-              </a:ext>
-            </a:extLst>
-          </p:cNvPr>
-          <p:cNvSpPr txBox="1">
-            <a:spLocks/>
-          </p:cNvSpPr>
+          <p:cNvPr id="5" name="テキスト ボックス 4">
+            <a:extLst>
+              <a:ext uri="{FF2B5EF4-FFF2-40B4-BE49-F238E27FC236}">
+                <a16:creationId xmlns:a16="http://schemas.microsoft.com/office/drawing/2014/main" id="{9EFBA325-51ED-EEBA-A1CF-51EDF65BB683}"/>
+              </a:ext>
+            </a:extLst>
+          </p:cNvPr>
+          <p:cNvSpPr txBox="1"/>
           <p:nvPr/>
         </p:nvSpPr>
         <p:spPr>
           <a:xfrm>
-            <a:off x="767408" y="2708920"/>
-            <a:ext cx="6192688" cy="639688"/>
-          </a:xfrm>
-          <a:prstGeom prst="rect">
-            <a:avLst/>
-          </a:prstGeom>
-        </p:spPr>
-        <p:txBody>
-          <a:bodyPr vert="horz" lIns="91440" tIns="45720" rIns="91440" bIns="45720" rtlCol="0">
-            <a:normAutofit/>
-          </a:bodyPr>
-          <a:lstStyle>
-            <a:lvl1pPr marL="0" indent="0" algn="r" defTabSz="720000" rtl="0" eaLnBrk="1" latinLnBrk="0" hangingPunct="1">
-              <a:lnSpc>
-                <a:spcPct val="100000"/>
-              </a:lnSpc>
-              <a:spcBef>
-                <a:spcPts val="600"/>
-              </a:spcBef>
-              <a:buClr>
-                <a:schemeClr val="accent1"/>
-              </a:buClr>
-              <a:buSzPct val="80000"/>
-              <a:buFont typeface="Wingdings" panose="05000000000000000000" pitchFamily="2" charset="2"/>
-              <a:buNone/>
-              <a:defRPr kumimoji="1" sz="2400" kern="1200">
-                <a:solidFill>
-                  <a:schemeClr val="tx1"/>
-                </a:solidFill>
-                <a:latin typeface="+mn-lt"/>
-                <a:ea typeface="+mn-ea"/>
-                <a:cs typeface="+mn-cs"/>
-              </a:defRPr>
-            </a:lvl1pPr>
-            <a:lvl2pPr marL="457200" indent="0" algn="ctr" defTabSz="720000" rtl="0" eaLnBrk="1" latinLnBrk="0" hangingPunct="1">
-              <a:lnSpc>
-                <a:spcPct val="100000"/>
-              </a:lnSpc>
-              <a:spcBef>
-                <a:spcPts val="500"/>
-              </a:spcBef>
-              <a:buClr>
-                <a:schemeClr val="accent1"/>
-              </a:buClr>
-              <a:buSzPct val="80000"/>
-              <a:buFont typeface="Wingdings" panose="05000000000000000000" pitchFamily="2" charset="2"/>
-              <a:buNone/>
-              <a:defRPr kumimoji="1" sz="2000" kern="1200">
-                <a:solidFill>
-                  <a:schemeClr val="tx1"/>
-                </a:solidFill>
-                <a:latin typeface="+mn-lt"/>
-                <a:ea typeface="+mn-ea"/>
-                <a:cs typeface="+mn-cs"/>
-              </a:defRPr>
-            </a:lvl2pPr>
-            <a:lvl3pPr marL="914400" indent="0" algn="ctr" defTabSz="720000" rtl="0" eaLnBrk="1" latinLnBrk="0" hangingPunct="1">
-              <a:lnSpc>
-                <a:spcPct val="100000"/>
-              </a:lnSpc>
-              <a:spcBef>
-                <a:spcPts val="500"/>
-              </a:spcBef>
-              <a:buClr>
-                <a:schemeClr val="accent1"/>
-              </a:buClr>
-              <a:buSzPct val="80000"/>
-              <a:buFont typeface="Wingdings" panose="05000000000000000000" pitchFamily="2" charset="2"/>
-              <a:buNone/>
-              <a:defRPr kumimoji="1" sz="1800" kern="1200">
-                <a:solidFill>
-                  <a:schemeClr val="tx1"/>
-                </a:solidFill>
-                <a:latin typeface="+mn-lt"/>
-                <a:ea typeface="+mn-ea"/>
-                <a:cs typeface="+mn-cs"/>
-              </a:defRPr>
-            </a:lvl3pPr>
-            <a:lvl4pPr marL="1371600" indent="0" algn="ctr" defTabSz="720000" rtl="0" eaLnBrk="1" latinLnBrk="0" hangingPunct="1">
-              <a:lnSpc>
-                <a:spcPct val="100000"/>
-              </a:lnSpc>
-              <a:spcBef>
-                <a:spcPts val="500"/>
-              </a:spcBef>
-              <a:buClr>
-                <a:schemeClr val="accent1"/>
-              </a:buClr>
-              <a:buSzPct val="80000"/>
-              <a:buFont typeface="Wingdings" panose="05000000000000000000" pitchFamily="2" charset="2"/>
-              <a:buNone/>
-              <a:defRPr kumimoji="1" sz="1600" kern="1200">
-                <a:solidFill>
-                  <a:schemeClr val="tx1"/>
-                </a:solidFill>
-                <a:latin typeface="+mn-lt"/>
-                <a:ea typeface="+mn-ea"/>
-                <a:cs typeface="+mn-cs"/>
-              </a:defRPr>
-            </a:lvl4pPr>
-            <a:lvl5pPr marL="1828800" indent="0" algn="ctr" defTabSz="720000" rtl="0" eaLnBrk="1" latinLnBrk="0" hangingPunct="1">
-              <a:lnSpc>
-                <a:spcPct val="100000"/>
-              </a:lnSpc>
-              <a:spcBef>
-                <a:spcPts val="500"/>
-              </a:spcBef>
-              <a:buClr>
-                <a:schemeClr val="accent1"/>
-              </a:buClr>
-              <a:buSzPct val="80000"/>
-              <a:buFont typeface="Wingdings" panose="05000000000000000000" pitchFamily="2" charset="2"/>
-              <a:buNone/>
-              <a:defRPr kumimoji="1" sz="1600" kern="1200">
-                <a:solidFill>
-                  <a:schemeClr val="tx1"/>
-                </a:solidFill>
-                <a:latin typeface="+mn-lt"/>
-                <a:ea typeface="+mn-ea"/>
-                <a:cs typeface="+mn-cs"/>
-              </a:defRPr>
-            </a:lvl5pPr>
-            <a:lvl6pPr marL="2286000" indent="0" algn="ctr" defTabSz="914400" rtl="0" eaLnBrk="1" latinLnBrk="0" hangingPunct="1">
-              <a:lnSpc>
-                <a:spcPct val="90000"/>
-              </a:lnSpc>
-              <a:spcBef>
-                <a:spcPts val="500"/>
-              </a:spcBef>
-              <a:buFont typeface="Arial" panose="020B0604020202020204" pitchFamily="34" charset="0"/>
-              <a:buNone/>
-              <a:defRPr kumimoji="1" sz="1600" kern="1200">
-                <a:solidFill>
-                  <a:schemeClr val="tx1"/>
-                </a:solidFill>
-                <a:latin typeface="+mn-lt"/>
-                <a:ea typeface="+mn-ea"/>
-                <a:cs typeface="+mn-cs"/>
-              </a:defRPr>
-            </a:lvl6pPr>
-            <a:lvl7pPr marL="2743200" indent="0" algn="ctr" defTabSz="914400" rtl="0" eaLnBrk="1" latinLnBrk="0" hangingPunct="1">
-              <a:lnSpc>
-                <a:spcPct val="90000"/>
-              </a:lnSpc>
-              <a:spcBef>
-                <a:spcPts val="500"/>
-              </a:spcBef>
-              <a:buFont typeface="Arial" panose="020B0604020202020204" pitchFamily="34" charset="0"/>
-              <a:buNone/>
-              <a:defRPr kumimoji="1" sz="1600" kern="1200">
-                <a:solidFill>
-                  <a:schemeClr val="tx1"/>
-                </a:solidFill>
-                <a:latin typeface="+mn-lt"/>
-                <a:ea typeface="+mn-ea"/>
-                <a:cs typeface="+mn-cs"/>
-              </a:defRPr>
-            </a:lvl7pPr>
-            <a:lvl8pPr marL="3200400" indent="0" algn="ctr" defTabSz="914400" rtl="0" eaLnBrk="1" latinLnBrk="0" hangingPunct="1">
-              <a:lnSpc>
-                <a:spcPct val="90000"/>
-              </a:lnSpc>
-              <a:spcBef>
-                <a:spcPts val="500"/>
-              </a:spcBef>
-              <a:buFont typeface="Arial" panose="020B0604020202020204" pitchFamily="34" charset="0"/>
-              <a:buNone/>
-              <a:defRPr kumimoji="1" sz="1600" kern="1200">
-                <a:solidFill>
-                  <a:schemeClr val="tx1"/>
-                </a:solidFill>
-                <a:latin typeface="+mn-lt"/>
-                <a:ea typeface="+mn-ea"/>
-                <a:cs typeface="+mn-cs"/>
-              </a:defRPr>
-            </a:lvl8pPr>
-            <a:lvl9pPr marL="3657600" indent="0" algn="ctr" defTabSz="914400" rtl="0" eaLnBrk="1" latinLnBrk="0" hangingPunct="1">
-              <a:lnSpc>
-                <a:spcPct val="90000"/>
-              </a:lnSpc>
-              <a:spcBef>
-                <a:spcPts val="500"/>
-              </a:spcBef>
-              <a:buFont typeface="Arial" panose="020B0604020202020204" pitchFamily="34" charset="0"/>
-              <a:buNone/>
-              <a:defRPr kumimoji="1" sz="1600" kern="1200">
-                <a:solidFill>
-                  <a:schemeClr val="tx1"/>
-                </a:solidFill>
-                <a:latin typeface="+mn-lt"/>
-                <a:ea typeface="+mn-ea"/>
-                <a:cs typeface="+mn-cs"/>
-              </a:defRPr>
-            </a:lvl9pPr>
-          </a:lstStyle>
-          <a:p>
-            <a:pPr algn="l"/>
-            <a:r>
-              <a:rPr lang="ja-JP" altLang="en-US" sz="2400" dirty="0"/>
-              <a:t>システム工学研究科</a:t>
-            </a:r>
-            <a:r>
-              <a:rPr lang="ja-JP" altLang="en-US" dirty="0"/>
-              <a:t>　視覚メディア研究室</a:t>
-            </a:r>
-          </a:p>
-        </p:txBody>
-      </p:sp>
-      <p:sp>
-        <p:nvSpPr>
-          <p:cNvPr id="5" name="テキスト ボックス 4">
-            <a:extLst>
-              <a:ext uri="{FF2B5EF4-FFF2-40B4-BE49-F238E27FC236}">
-                <a16:creationId xmlns:a16="http://schemas.microsoft.com/office/drawing/2014/main" id="{9EFBA325-51ED-EEBA-A1CF-51EDF65BB683}"/>
-              </a:ext>
-            </a:extLst>
-          </p:cNvPr>
-          <p:cNvSpPr txBox="1"/>
-          <p:nvPr/>
-        </p:nvSpPr>
-        <p:spPr>
-          <a:xfrm>
-            <a:off x="5375920" y="980728"/>
-            <a:ext cx="6340197" cy="1015663"/>
+            <a:off x="6607026" y="980728"/>
+            <a:ext cx="5109091" cy="830997"/>
           </a:xfrm>
           <a:prstGeom prst="rect">
             <a:avLst/>
@@ -5896,10 +5641,10 @@
           <a:p>
             <a:pPr algn="r"/>
             <a:r>
-              <a:rPr lang="ja-JP" altLang="en-US" sz="6000" dirty="0"/>
+              <a:rPr lang="ja-JP" altLang="en-US" sz="4800" dirty="0"/>
               <a:t>和歌山大学大学院</a:t>
             </a:r>
-            <a:endParaRPr lang="en-US" altLang="ja-JP" sz="6000" dirty="0"/>
+            <a:endParaRPr lang="en-US" altLang="ja-JP" sz="4800" dirty="0"/>
           </a:p>
         </p:txBody>
       </p:sp>
@@ -5989,7 +5734,79 @@
           <a:lstStyle/>
           <a:p>
             <a:pPr algn="ctr"/>
-            <a:endParaRPr kumimoji="1" lang="ja-JP" altLang="en-US"/>
+            <a:endParaRPr kumimoji="1" lang="ja-JP" altLang="en-US" dirty="0"/>
+          </a:p>
+        </p:txBody>
+      </p:sp>
+      <p:sp>
+        <p:nvSpPr>
+          <p:cNvPr id="7" name="テキスト ボックス 6">
+            <a:extLst>
+              <a:ext uri="{FF2B5EF4-FFF2-40B4-BE49-F238E27FC236}">
+                <a16:creationId xmlns:a16="http://schemas.microsoft.com/office/drawing/2014/main" id="{F1FF59B3-3144-F18B-DB80-013C6F1D602A}"/>
+              </a:ext>
+            </a:extLst>
+          </p:cNvPr>
+          <p:cNvSpPr txBox="1"/>
+          <p:nvPr/>
+        </p:nvSpPr>
+        <p:spPr>
+          <a:xfrm>
+            <a:off x="911424" y="4032355"/>
+            <a:ext cx="1224136" cy="584775"/>
+          </a:xfrm>
+          <a:prstGeom prst="rect">
+            <a:avLst/>
+          </a:prstGeom>
+          <a:noFill/>
+        </p:spPr>
+        <p:txBody>
+          <a:bodyPr wrap="square" rtlCol="0">
+            <a:spAutoFit/>
+          </a:bodyPr>
+          <a:lstStyle/>
+          <a:p>
+            <a:r>
+              <a:rPr kumimoji="1" lang="en-US" altLang="ja-JP" sz="3200" dirty="0"/>
+              <a:t>Noto</a:t>
+            </a:r>
+            <a:endParaRPr kumimoji="1" lang="ja-JP" altLang="en-US" sz="3200" dirty="0"/>
+          </a:p>
+        </p:txBody>
+      </p:sp>
+      <p:sp>
+        <p:nvSpPr>
+          <p:cNvPr id="8" name="テキスト ボックス 7">
+            <a:extLst>
+              <a:ext uri="{FF2B5EF4-FFF2-40B4-BE49-F238E27FC236}">
+                <a16:creationId xmlns:a16="http://schemas.microsoft.com/office/drawing/2014/main" id="{14F784DD-2EA7-D4A8-DA46-41F813B82A7A}"/>
+              </a:ext>
+            </a:extLst>
+          </p:cNvPr>
+          <p:cNvSpPr txBox="1"/>
+          <p:nvPr/>
+        </p:nvSpPr>
+        <p:spPr>
+          <a:xfrm>
+            <a:off x="4583832" y="4032355"/>
+            <a:ext cx="1512168" cy="584775"/>
+          </a:xfrm>
+          <a:prstGeom prst="rect">
+            <a:avLst/>
+          </a:prstGeom>
+          <a:noFill/>
+        </p:spPr>
+        <p:txBody>
+          <a:bodyPr wrap="square" rtlCol="0">
+            <a:spAutoFit/>
+          </a:bodyPr>
+          <a:lstStyle/>
+          <a:p>
+            <a:r>
+              <a:rPr kumimoji="1" lang="en-US" altLang="ja-JP" sz="3200" dirty="0"/>
+              <a:t>Akihiro</a:t>
+            </a:r>
+            <a:endParaRPr kumimoji="1" lang="ja-JP" altLang="en-US" sz="3200" dirty="0"/>
           </a:p>
         </p:txBody>
       </p:sp>
@@ -6563,9 +6380,12 @@
 </file>
 
 <file path=customXml/item1.xml><?xml version="1.0" encoding="utf-8"?>
-<p:properties xmlns:p="http://schemas.microsoft.com/office/2006/metadata/properties" xmlns:xsi="http://www.w3.org/2001/XMLSchema-instance" xmlns:pc="http://schemas.microsoft.com/office/infopath/2007/PartnerControls">
-  <documentManagement/>
-</p:properties>
+<?mso-contentType ?>
+<FormTemplates xmlns="http://schemas.microsoft.com/sharepoint/v3/contenttype/forms">
+  <Display>DocumentLibraryForm</Display>
+  <Edit>DocumentLibraryForm</Edit>
+  <New>DocumentLibraryForm</New>
+</FormTemplates>
 </file>
 
 <file path=customXml/item2.xml><?xml version="1.0" encoding="utf-8"?>
@@ -6739,27 +6559,15 @@
 </file>
 
 <file path=customXml/item3.xml><?xml version="1.0" encoding="utf-8"?>
-<?mso-contentType ?>
-<FormTemplates xmlns="http://schemas.microsoft.com/sharepoint/v3/contenttype/forms">
-  <Display>DocumentLibraryForm</Display>
-  <Edit>DocumentLibraryForm</Edit>
-  <New>DocumentLibraryForm</New>
-</FormTemplates>
+<p:properties xmlns:p="http://schemas.microsoft.com/office/2006/metadata/properties" xmlns:xsi="http://www.w3.org/2001/XMLSchema-instance" xmlns:pc="http://schemas.microsoft.com/office/infopath/2007/PartnerControls">
+  <documentManagement/>
+</p:properties>
 </file>
 
 <file path=customXml/itemProps1.xml><?xml version="1.0" encoding="utf-8"?>
-<ds:datastoreItem xmlns:ds="http://schemas.openxmlformats.org/officeDocument/2006/customXml" ds:itemID="{6C453C74-2A61-4237-82F6-B5F7524F9630}">
+<ds:datastoreItem xmlns:ds="http://schemas.openxmlformats.org/officeDocument/2006/customXml" ds:itemID="{03459446-1FA6-45A3-B98F-378671F881DC}">
   <ds:schemaRefs>
-    <ds:schemaRef ds:uri="http://purl.org/dc/terms/"/>
-    <ds:schemaRef ds:uri="http://www.w3.org/XML/1998/namespace"/>
-    <ds:schemaRef ds:uri="http://purl.org/dc/elements/1.1/"/>
-    <ds:schemaRef ds:uri="http://schemas.microsoft.com/office/2006/documentManagement/types"/>
-    <ds:schemaRef ds:uri="http://schemas.microsoft.com/office/infopath/2007/PartnerControls"/>
-    <ds:schemaRef ds:uri="cedd5661-5f2d-49aa-a403-44f3376ff0e5"/>
-    <ds:schemaRef ds:uri="http://schemas.openxmlformats.org/package/2006/metadata/core-properties"/>
-    <ds:schemaRef ds:uri="007a93c0-de4e-4b33-bd01-0893d5c8a8b4"/>
-    <ds:schemaRef ds:uri="http://schemas.microsoft.com/office/2006/metadata/properties"/>
-    <ds:schemaRef ds:uri="http://purl.org/dc/dcmitype/"/>
+    <ds:schemaRef ds:uri="http://schemas.microsoft.com/sharepoint/v3/contenttype/forms"/>
   </ds:schemaRefs>
 </ds:datastoreItem>
 </file>
@@ -6783,9 +6591,17 @@
 </file>
 
 <file path=customXml/itemProps3.xml><?xml version="1.0" encoding="utf-8"?>
-<ds:datastoreItem xmlns:ds="http://schemas.openxmlformats.org/officeDocument/2006/customXml" ds:itemID="{03459446-1FA6-45A3-B98F-378671F881DC}">
+<ds:datastoreItem xmlns:ds="http://schemas.openxmlformats.org/officeDocument/2006/customXml" ds:itemID="{6C453C74-2A61-4237-82F6-B5F7524F9630}">
   <ds:schemaRefs>
-    <ds:schemaRef ds:uri="http://schemas.microsoft.com/sharepoint/v3/contenttype/forms"/>
+    <ds:schemaRef ds:uri="http://schemas.microsoft.com/office/2006/documentManagement/types"/>
+    <ds:schemaRef ds:uri="http://schemas.openxmlformats.org/package/2006/metadata/core-properties"/>
+    <ds:schemaRef ds:uri="c8c06d1b-3a27-4f0d-8102-26cf65270427"/>
+    <ds:schemaRef ds:uri="http://schemas.microsoft.com/office/2006/metadata/properties"/>
+    <ds:schemaRef ds:uri="http://purl.org/dc/elements/1.1/"/>
+    <ds:schemaRef ds:uri="http://purl.org/dc/dcmitype/"/>
+    <ds:schemaRef ds:uri="http://purl.org/dc/terms/"/>
+    <ds:schemaRef ds:uri="http://schemas.microsoft.com/office/infopath/2007/PartnerControls"/>
+    <ds:schemaRef ds:uri="http://www.w3.org/XML/1998/namespace"/>
   </ds:schemaRefs>
 </ds:datastoreItem>
 </file>